--- a/PPT game/Thuyết trình về dự án game.pptx
+++ b/PPT game/Thuyết trình về dự án game.pptx
@@ -10,9 +10,10 @@
     <p:sldId id="259" r:id="rId5"/>
     <p:sldId id="258" r:id="rId6"/>
     <p:sldId id="260" r:id="rId7"/>
-    <p:sldId id="261" r:id="rId8"/>
-    <p:sldId id="262" r:id="rId9"/>
-    <p:sldId id="263" r:id="rId10"/>
+    <p:sldId id="265" r:id="rId8"/>
+    <p:sldId id="261" r:id="rId9"/>
+    <p:sldId id="262" r:id="rId10"/>
+    <p:sldId id="263" r:id="rId11"/>
   </p:sldIdLst>
   <p:sldSz cx="12192000" cy="6858000"/>
   <p:notesSz cx="6858000" cy="9144000"/>
@@ -4264,6 +4265,108 @@
             <p:ph type="title"/>
           </p:nvPr>
         </p:nvSpPr>
+        <p:spPr>
+          <a:xfrm>
+            <a:off x="7299960" y="190500"/>
+            <a:ext cx="4282440" cy="582930"/>
+          </a:xfrm>
+        </p:spPr>
+        <p:txBody>
+          <a:bodyPr/>
+          <a:p>
+            <a:r>
+              <a:rPr lang="en-US"/>
+              <a:t>Chức năng</a:t>
+            </a:r>
+            <a:endParaRPr lang="en-US"/>
+          </a:p>
+        </p:txBody>
+      </p:sp>
+      <p:sp>
+        <p:nvSpPr>
+          <p:cNvPr id="3" name="Content Placeholder 2"/>
+          <p:cNvSpPr>
+            <a:spLocks noGrp="1"/>
+          </p:cNvSpPr>
+          <p:nvPr>
+            <p:ph idx="1"/>
+          </p:nvPr>
+        </p:nvSpPr>
+        <p:spPr>
+          <a:xfrm>
+            <a:off x="7299960" y="1174750"/>
+            <a:ext cx="4282440" cy="4953000"/>
+          </a:xfrm>
+        </p:spPr>
+        <p:txBody>
+          <a:bodyPr/>
+          <a:p>
+            <a:endParaRPr lang="en-US"/>
+          </a:p>
+        </p:txBody>
+      </p:sp>
+      <p:sp>
+        <p:nvSpPr>
+          <p:cNvPr id="5" name="Text Box 4"/>
+          <p:cNvSpPr txBox="1"/>
+          <p:nvPr/>
+        </p:nvSpPr>
+        <p:spPr>
+          <a:xfrm>
+            <a:off x="643255" y="2475865"/>
+            <a:ext cx="3818890" cy="3169285"/>
+          </a:xfrm>
+          <a:prstGeom prst="rect">
+            <a:avLst/>
+          </a:prstGeom>
+          <a:noFill/>
+        </p:spPr>
+        <p:txBody>
+          <a:bodyPr wrap="square" rtlCol="0">
+            <a:spAutoFit/>
+          </a:bodyPr>
+          <a:p>
+            <a:pPr algn="l"/>
+            <a:r>
+              <a:rPr lang="en-US" sz="4000"/>
+              <a:t>-Có thể chơi trên PC và smartphone (hệ Android)</a:t>
+            </a:r>
+            <a:endParaRPr lang="en-US" sz="4000"/>
+          </a:p>
+          <a:p>
+            <a:pPr algn="l"/>
+            <a:endParaRPr lang="en-US" sz="4000"/>
+          </a:p>
+        </p:txBody>
+      </p:sp>
+    </p:spTree>
+  </p:cSld>
+  <p:clrMapOvr>
+    <a:masterClrMapping/>
+  </p:clrMapOvr>
+</p:sld>
+</file>
+
+<file path=ppt/slides/slide7.xml><?xml version="1.0" encoding="utf-8"?>
+<p:sld xmlns:a="http://schemas.openxmlformats.org/drawingml/2006/main" xmlns:r="http://schemas.openxmlformats.org/officeDocument/2006/relationships" xmlns:p="http://schemas.openxmlformats.org/presentationml/2006/main">
+  <p:cSld>
+    <p:spTree>
+      <p:nvGrpSpPr>
+        <p:cNvPr id="1" name=""/>
+        <p:cNvGrpSpPr/>
+        <p:nvPr/>
+      </p:nvGrpSpPr>
+      <p:grpSpPr/>
+      <p:sp>
+        <p:nvSpPr>
+          <p:cNvPr id="2" name="Title 1"/>
+          <p:cNvSpPr>
+            <a:spLocks noGrp="1"/>
+          </p:cNvSpPr>
+          <p:nvPr>
+            <p:ph type="title"/>
+          </p:nvPr>
+        </p:nvSpPr>
         <p:spPr/>
         <p:txBody>
           <a:bodyPr/>
@@ -4392,7 +4495,7 @@
 </p:sld>
 </file>
 
-<file path=ppt/slides/slide7.xml><?xml version="1.0" encoding="utf-8"?>
+<file path=ppt/slides/slide8.xml><?xml version="1.0" encoding="utf-8"?>
 <p:sld xmlns:a="http://schemas.openxmlformats.org/drawingml/2006/main" xmlns:r="http://schemas.openxmlformats.org/officeDocument/2006/relationships" xmlns:p="http://schemas.openxmlformats.org/presentationml/2006/main">
   <p:cSld>
     <p:spTree>
@@ -4800,7 +4903,7 @@
 </p:sld>
 </file>
 
-<file path=ppt/slides/slide8.xml><?xml version="1.0" encoding="utf-8"?>
+<file path=ppt/slides/slide9.xml><?xml version="1.0" encoding="utf-8"?>
 <p:sld xmlns:a="http://schemas.openxmlformats.org/drawingml/2006/main" xmlns:r="http://schemas.openxmlformats.org/officeDocument/2006/relationships" xmlns:p="http://schemas.openxmlformats.org/presentationml/2006/main">
   <p:cSld>
     <p:spTree>
